--- a/1-PythonBasics/Python Basics.pptx
+++ b/1-PythonBasics/Python Basics.pptx
@@ -3282,7 +3282,7 @@
           <a:p>
             <a:fld id="{71BC3CD5-48EE-4327-83D6-3F6C7F9F416B}" type="datetimeFigureOut">
               <a:rPr lang="es-ES" smtClean="0"/>
-              <a:t>11/04/2023</a:t>
+              <a:t>21/08/2021</a:t>
             </a:fld>
             <a:endParaRPr lang="es-ES"/>
           </a:p>
@@ -3480,7 +3480,7 @@
           <a:p>
             <a:fld id="{71BC3CD5-48EE-4327-83D6-3F6C7F9F416B}" type="datetimeFigureOut">
               <a:rPr lang="es-ES" smtClean="0"/>
-              <a:t>11/04/2023</a:t>
+              <a:t>21/08/2021</a:t>
             </a:fld>
             <a:endParaRPr lang="es-ES"/>
           </a:p>
@@ -3688,7 +3688,7 @@
           <a:p>
             <a:fld id="{71BC3CD5-48EE-4327-83D6-3F6C7F9F416B}" type="datetimeFigureOut">
               <a:rPr lang="es-ES" smtClean="0"/>
-              <a:t>11/04/2023</a:t>
+              <a:t>21/08/2021</a:t>
             </a:fld>
             <a:endParaRPr lang="es-ES"/>
           </a:p>
@@ -3886,7 +3886,7 @@
           <a:p>
             <a:fld id="{71BC3CD5-48EE-4327-83D6-3F6C7F9F416B}" type="datetimeFigureOut">
               <a:rPr lang="es-ES" smtClean="0"/>
-              <a:t>11/04/2023</a:t>
+              <a:t>21/08/2021</a:t>
             </a:fld>
             <a:endParaRPr lang="es-ES"/>
           </a:p>
@@ -4161,7 +4161,7 @@
           <a:p>
             <a:fld id="{71BC3CD5-48EE-4327-83D6-3F6C7F9F416B}" type="datetimeFigureOut">
               <a:rPr lang="es-ES" smtClean="0"/>
-              <a:t>11/04/2023</a:t>
+              <a:t>21/08/2021</a:t>
             </a:fld>
             <a:endParaRPr lang="es-ES"/>
           </a:p>
@@ -4426,7 +4426,7 @@
           <a:p>
             <a:fld id="{71BC3CD5-48EE-4327-83D6-3F6C7F9F416B}" type="datetimeFigureOut">
               <a:rPr lang="es-ES" smtClean="0"/>
-              <a:t>11/04/2023</a:t>
+              <a:t>21/08/2021</a:t>
             </a:fld>
             <a:endParaRPr lang="es-ES"/>
           </a:p>
@@ -4838,7 +4838,7 @@
           <a:p>
             <a:fld id="{71BC3CD5-48EE-4327-83D6-3F6C7F9F416B}" type="datetimeFigureOut">
               <a:rPr lang="es-ES" smtClean="0"/>
-              <a:t>11/04/2023</a:t>
+              <a:t>21/08/2021</a:t>
             </a:fld>
             <a:endParaRPr lang="es-ES"/>
           </a:p>
@@ -4979,7 +4979,7 @@
           <a:p>
             <a:fld id="{71BC3CD5-48EE-4327-83D6-3F6C7F9F416B}" type="datetimeFigureOut">
               <a:rPr lang="es-ES" smtClean="0"/>
-              <a:t>11/04/2023</a:t>
+              <a:t>21/08/2021</a:t>
             </a:fld>
             <a:endParaRPr lang="es-ES"/>
           </a:p>
@@ -5092,7 +5092,7 @@
           <a:p>
             <a:fld id="{71BC3CD5-48EE-4327-83D6-3F6C7F9F416B}" type="datetimeFigureOut">
               <a:rPr lang="es-ES" smtClean="0"/>
-              <a:t>11/04/2023</a:t>
+              <a:t>21/08/2021</a:t>
             </a:fld>
             <a:endParaRPr lang="es-ES"/>
           </a:p>
@@ -5403,7 +5403,7 @@
           <a:p>
             <a:fld id="{71BC3CD5-48EE-4327-83D6-3F6C7F9F416B}" type="datetimeFigureOut">
               <a:rPr lang="es-ES" smtClean="0"/>
-              <a:t>11/04/2023</a:t>
+              <a:t>21/08/2021</a:t>
             </a:fld>
             <a:endParaRPr lang="es-ES"/>
           </a:p>
@@ -5691,7 +5691,7 @@
           <a:p>
             <a:fld id="{71BC3CD5-48EE-4327-83D6-3F6C7F9F416B}" type="datetimeFigureOut">
               <a:rPr lang="es-ES" smtClean="0"/>
-              <a:t>11/04/2023</a:t>
+              <a:t>21/08/2021</a:t>
             </a:fld>
             <a:endParaRPr lang="es-ES"/>
           </a:p>
@@ -5932,7 +5932,7 @@
           <a:p>
             <a:fld id="{71BC3CD5-48EE-4327-83D6-3F6C7F9F416B}" type="datetimeFigureOut">
               <a:rPr lang="es-ES" smtClean="0"/>
-              <a:t>11/04/2023</a:t>
+              <a:t>21/08/2021</a:t>
             </a:fld>
             <a:endParaRPr lang="es-ES"/>
           </a:p>
@@ -6411,11 +6411,8 @@
           <a:p>
             <a:r>
               <a:rPr lang="es-ES" dirty="0"/>
-              <a:t>2023</a:t>
-            </a:r>
-          </a:p>
-          <a:p>
-            <a:endParaRPr lang="es-ES" dirty="0"/>
+              <a:t>2021</a:t>
+            </a:r>
           </a:p>
         </p:txBody>
       </p:sp>
@@ -13329,6 +13326,21 @@
 </file>
 
 <file path=customXml/item1.xml><?xml version="1.0" encoding="utf-8"?>
+<?mso-contentType ?>
+<FormTemplates xmlns="http://schemas.microsoft.com/sharepoint/v3/contenttype/forms">
+  <Display>DocumentLibraryForm</Display>
+  <Edit>DocumentLibraryForm</Edit>
+  <New>DocumentLibraryForm</New>
+</FormTemplates>
+</file>
+
+<file path=customXml/item2.xml><?xml version="1.0" encoding="utf-8"?>
+<p:properties xmlns:p="http://schemas.microsoft.com/office/2006/metadata/properties" xmlns:xsi="http://www.w3.org/2001/XMLSchema-instance" xmlns:pc="http://schemas.microsoft.com/office/infopath/2007/PartnerControls">
+  <documentManagement/>
+</p:properties>
+</file>
+
+<file path=customXml/item3.xml><?xml version="1.0" encoding="utf-8"?>
 <ct:contentTypeSchema xmlns:ct="http://schemas.microsoft.com/office/2006/metadata/contentType" xmlns:ma="http://schemas.microsoft.com/office/2006/metadata/properties/metaAttributes" ct:_="" ma:_="" ma:contentTypeName="Documento" ma:contentTypeID="0x01010034CE88BD2436BC49A0F93D188AEE6334" ma:contentTypeVersion="7" ma:contentTypeDescription="Crear nuevo documento." ma:contentTypeScope="" ma:versionID="25d2df692f06815155970f868a250c0a">
   <xsd:schema xmlns:xsd="http://www.w3.org/2001/XMLSchema" xmlns:xs="http://www.w3.org/2001/XMLSchema" xmlns:p="http://schemas.microsoft.com/office/2006/metadata/properties" xmlns:ns3="4db008ad-2a2e-450c-baea-0f3a1d680a89" xmlns:ns4="b0366ee5-2ad0-4679-962d-c204781c6d4d" targetNamespace="http://schemas.microsoft.com/office/2006/metadata/properties" ma:root="true" ma:fieldsID="992ab15ae7657ca73c8441a994b7bba9" ns3:_="" ns4:_="">
     <xsd:import namespace="4db008ad-2a2e-450c-baea-0f3a1d680a89"/>
@@ -13513,22 +13525,32 @@
 </ct:contentTypeSchema>
 </file>
 
-<file path=customXml/item2.xml><?xml version="1.0" encoding="utf-8"?>
-<?mso-contentType ?>
-<FormTemplates xmlns="http://schemas.microsoft.com/sharepoint/v3/contenttype/forms">
-  <Display>DocumentLibraryForm</Display>
-  <Edit>DocumentLibraryForm</Edit>
-  <New>DocumentLibraryForm</New>
-</FormTemplates>
+<file path=customXml/itemProps1.xml><?xml version="1.0" encoding="utf-8"?>
+<ds:datastoreItem xmlns:ds="http://schemas.openxmlformats.org/officeDocument/2006/customXml" ds:itemID="{8CF1134A-935A-4915-86F0-951274615DA4}">
+  <ds:schemaRefs>
+    <ds:schemaRef ds:uri="http://schemas.microsoft.com/sharepoint/v3/contenttype/forms"/>
+  </ds:schemaRefs>
+</ds:datastoreItem>
 </file>
 
-<file path=customXml/item3.xml><?xml version="1.0" encoding="utf-8"?>
-<p:properties xmlns:p="http://schemas.microsoft.com/office/2006/metadata/properties" xmlns:xsi="http://www.w3.org/2001/XMLSchema-instance" xmlns:pc="http://schemas.microsoft.com/office/infopath/2007/PartnerControls">
-  <documentManagement/>
-</p:properties>
+<file path=customXml/itemProps2.xml><?xml version="1.0" encoding="utf-8"?>
+<ds:datastoreItem xmlns:ds="http://schemas.openxmlformats.org/officeDocument/2006/customXml" ds:itemID="{58BF7373-3215-4A52-90EC-71291F0505C1}">
+  <ds:schemaRefs>
+    <ds:schemaRef ds:uri="http://www.w3.org/XML/1998/namespace"/>
+    <ds:schemaRef ds:uri="4db008ad-2a2e-450c-baea-0f3a1d680a89"/>
+    <ds:schemaRef ds:uri="http://schemas.microsoft.com/office/infopath/2007/PartnerControls"/>
+    <ds:schemaRef ds:uri="http://purl.org/dc/terms/"/>
+    <ds:schemaRef ds:uri="b0366ee5-2ad0-4679-962d-c204781c6d4d"/>
+    <ds:schemaRef ds:uri="http://schemas.microsoft.com/office/2006/documentManagement/types"/>
+    <ds:schemaRef ds:uri="http://purl.org/dc/dcmitype/"/>
+    <ds:schemaRef ds:uri="http://schemas.openxmlformats.org/package/2006/metadata/core-properties"/>
+    <ds:schemaRef ds:uri="http://schemas.microsoft.com/office/2006/metadata/properties"/>
+    <ds:schemaRef ds:uri="http://purl.org/dc/elements/1.1/"/>
+  </ds:schemaRefs>
+</ds:datastoreItem>
 </file>
 
-<file path=customXml/itemProps1.xml><?xml version="1.0" encoding="utf-8"?>
+<file path=customXml/itemProps3.xml><?xml version="1.0" encoding="utf-8"?>
 <ds:datastoreItem xmlns:ds="http://schemas.openxmlformats.org/officeDocument/2006/customXml" ds:itemID="{CBED6338-C4EA-4B2E-A8D0-F9F3E23DC1B1}">
   <ds:schemaRefs>
     <ds:schemaRef ds:uri="http://schemas.microsoft.com/office/2006/metadata/contentType"/>
@@ -13545,29 +13567,4 @@
     <ds:schemaRef ds:uri="http://schemas.microsoft.com/internal/obd"/>
   </ds:schemaRefs>
 </ds:datastoreItem>
-</file>
-
-<file path=customXml/itemProps2.xml><?xml version="1.0" encoding="utf-8"?>
-<ds:datastoreItem xmlns:ds="http://schemas.openxmlformats.org/officeDocument/2006/customXml" ds:itemID="{8CF1134A-935A-4915-86F0-951274615DA4}">
-  <ds:schemaRefs>
-    <ds:schemaRef ds:uri="http://schemas.microsoft.com/sharepoint/v3/contenttype/forms"/>
-  </ds:schemaRefs>
-</ds:datastoreItem>
-</file>
-
-<file path=customXml/itemProps3.xml><?xml version="1.0" encoding="utf-8"?>
-<ds:datastoreItem xmlns:ds="http://schemas.openxmlformats.org/officeDocument/2006/customXml" ds:itemID="{58BF7373-3215-4A52-90EC-71291F0505C1}">
-  <ds:schemaRefs>
-    <ds:schemaRef ds:uri="http://www.w3.org/XML/1998/namespace"/>
-    <ds:schemaRef ds:uri="4db008ad-2a2e-450c-baea-0f3a1d680a89"/>
-    <ds:schemaRef ds:uri="http://schemas.microsoft.com/office/infopath/2007/PartnerControls"/>
-    <ds:schemaRef ds:uri="http://purl.org/dc/terms/"/>
-    <ds:schemaRef ds:uri="b0366ee5-2ad0-4679-962d-c204781c6d4d"/>
-    <ds:schemaRef ds:uri="http://schemas.microsoft.com/office/2006/documentManagement/types"/>
-    <ds:schemaRef ds:uri="http://purl.org/dc/dcmitype/"/>
-    <ds:schemaRef ds:uri="http://schemas.openxmlformats.org/package/2006/metadata/core-properties"/>
-    <ds:schemaRef ds:uri="http://schemas.microsoft.com/office/2006/metadata/properties"/>
-    <ds:schemaRef ds:uri="http://purl.org/dc/elements/1.1/"/>
-  </ds:schemaRefs>
-</ds:datastoreItem>
 </file>